--- a/Presentaion_Covid_Impact.pptx
+++ b/Presentaion_Covid_Impact.pptx
@@ -6874,7 +6874,7 @@
         </p:nvSpPr>
         <p:spPr>
           <a:xfrm>
-            <a:off x="1109773" y="714109"/>
+            <a:off x="738364" y="955723"/>
             <a:ext cx="7470164" cy="770980"/>
           </a:xfrm>
           <a:prstGeom prst="rect">
@@ -8329,8 +8329,8 @@
         </p:nvSpPr>
         <p:spPr>
           <a:xfrm>
-            <a:off x="351176" y="2628900"/>
-            <a:ext cx="8055090" cy="1834217"/>
+            <a:off x="457200" y="2916319"/>
+            <a:ext cx="8055090" cy="1546798"/>
           </a:xfrm>
           <a:prstGeom prst="rect">
             <a:avLst/>
@@ -8405,7 +8405,7 @@
         </p:nvSpPr>
         <p:spPr>
           <a:xfrm>
-            <a:off x="571393" y="3038176"/>
+            <a:off x="623049" y="3253888"/>
             <a:ext cx="7783217" cy="1015663"/>
           </a:xfrm>
           <a:prstGeom prst="rect">

--- a/Presentaion_Covid_Impact.pptx
+++ b/Presentaion_Covid_Impact.pptx
@@ -5299,12 +5299,36 @@
               <a:buChar char="§"/>
             </a:pPr>
             <a:r>
+              <a:rPr lang="en-US" sz="2200" b="1" dirty="0">
+                <a:solidFill>
+                  <a:schemeClr val="bg1"/>
+                </a:solidFill>
+              </a:rPr>
+              <a:t>Enterprise: </a:t>
+            </a:r>
+            <a:r>
               <a:rPr lang="en-US" sz="2200" dirty="0">
                 <a:solidFill>
                   <a:schemeClr val="bg1"/>
                 </a:solidFill>
               </a:rPr>
-              <a:t>Enterprise: Volume increased from 49.12M to 43.54M during COVID, indicating strong business growth.</a:t>
+              <a:t>Volume increased from </a:t>
+            </a:r>
+            <a:r>
+              <a:rPr lang="en-US" sz="2200" b="1" dirty="0">
+                <a:solidFill>
+                  <a:schemeClr val="bg1"/>
+                </a:solidFill>
+              </a:rPr>
+              <a:t>49.12M to 43.54M </a:t>
+            </a:r>
+            <a:r>
+              <a:rPr lang="en-US" sz="2200" dirty="0">
+                <a:solidFill>
+                  <a:schemeClr val="bg1"/>
+                </a:solidFill>
+              </a:rPr>
+              <a:t>during COVID, indicating strong business growth.</a:t>
             </a:r>
           </a:p>
           <a:p>
@@ -5324,12 +5348,20 @@
               <a:buChar char="§"/>
             </a:pPr>
             <a:r>
+              <a:rPr lang="en-US" sz="2200" b="1" dirty="0">
+                <a:solidFill>
+                  <a:schemeClr val="bg1"/>
+                </a:solidFill>
+              </a:rPr>
+              <a:t>Large: </a:t>
+            </a:r>
+            <a:r>
               <a:rPr lang="en-US" sz="2200" dirty="0">
                 <a:solidFill>
                   <a:schemeClr val="bg1"/>
                 </a:solidFill>
               </a:rPr>
-              <a:t>Large: Volume remained stable at around 5.67M, showing resilience.</a:t>
+              <a:t>Volume remained stable at around 5.67M, showing resilience.</a:t>
             </a:r>
           </a:p>
           <a:p>
@@ -5349,12 +5381,20 @@
               <a:buChar char="§"/>
             </a:pPr>
             <a:r>
+              <a:rPr lang="en-US" sz="2200" b="1" dirty="0">
+                <a:solidFill>
+                  <a:schemeClr val="bg1"/>
+                </a:solidFill>
+              </a:rPr>
+              <a:t>Medium: </a:t>
+            </a:r>
+            <a:r>
               <a:rPr lang="en-US" sz="2200" dirty="0">
                 <a:solidFill>
                   <a:schemeClr val="bg1"/>
                 </a:solidFill>
               </a:rPr>
-              <a:t>Medium: Volume increased from 6.28M to 7.93M, reflecting moderate adaptability.</a:t>
+              <a:t>Volume increased from 6.28M to 7.93M, reflecting moderate adaptability.</a:t>
             </a:r>
           </a:p>
           <a:p>
@@ -5374,12 +5414,20 @@
               <a:buChar char="§"/>
             </a:pPr>
             <a:r>
+              <a:rPr lang="en-US" sz="2200" b="1" dirty="0">
+                <a:solidFill>
+                  <a:schemeClr val="bg1"/>
+                </a:solidFill>
+              </a:rPr>
+              <a:t>Small: </a:t>
+            </a:r>
+            <a:r>
               <a:rPr lang="en-US" sz="2200" dirty="0">
                 <a:solidFill>
                   <a:schemeClr val="bg1"/>
                 </a:solidFill>
               </a:rPr>
-              <a:t>Small: Volume decreased slightly from 1.92M to 2.94M, facing some challenges but remaining stable.</a:t>
+              <a:t>Volume decreased slightly from 1.92M to 2.94M, facing some challenges but remaining stable.</a:t>
             </a:r>
             <a:endParaRPr lang="en-CA" sz="2200" dirty="0">
               <a:solidFill>
@@ -6874,7 +6922,7 @@
         </p:nvSpPr>
         <p:spPr>
           <a:xfrm>
-            <a:off x="738364" y="955723"/>
+            <a:off x="1109773" y="714109"/>
             <a:ext cx="7470164" cy="770980"/>
           </a:xfrm>
           <a:prstGeom prst="rect">
@@ -6933,7 +6981,7 @@
         </p:nvSpPr>
         <p:spPr>
           <a:xfrm rot="-10800000">
-            <a:off x="10660689" y="5006479"/>
+            <a:off x="9799013" y="9832361"/>
             <a:ext cx="7051104" cy="473147"/>
           </a:xfrm>
           <a:custGeom>
@@ -7258,10 +7306,10 @@
         </p:nvSpPr>
         <p:spPr>
           <a:xfrm>
-            <a:off x="10154318" y="771997"/>
-            <a:ext cx="7903931" cy="4256836"/>
+            <a:off x="9372600" y="5935761"/>
+            <a:ext cx="7903931" cy="3957167"/>
           </a:xfrm>
-          <a:prstGeom prst="rect">
+          <a:prstGeom prst="roundRect">
             <a:avLst/>
           </a:prstGeom>
           <a:solidFill>
@@ -7280,47 +7328,6 @@
             <a:endParaRPr>
               <a:cs typeface="Poppins" panose="00000500000000000000" pitchFamily="2" charset="0"/>
             </a:endParaRPr>
-          </a:p>
-        </p:txBody>
-      </p:sp>
-      <p:sp>
-        <p:nvSpPr>
-          <p:cNvPr id="32" name="TextBox 31">
-            <a:extLst>
-              <a:ext uri="{FF2B5EF4-FFF2-40B4-BE49-F238E27FC236}">
-                <a16:creationId xmlns:a16="http://schemas.microsoft.com/office/drawing/2014/main" id="{75D7E455-A801-D26E-F78B-B6DC64FC7739}"/>
-              </a:ext>
-            </a:extLst>
-          </p:cNvPr>
-          <p:cNvSpPr txBox="1"/>
-          <p:nvPr/>
-        </p:nvSpPr>
-        <p:spPr>
-          <a:xfrm>
-            <a:off x="10675929" y="1077096"/>
-            <a:ext cx="2981371" cy="430887"/>
-          </a:xfrm>
-          <a:prstGeom prst="rect">
-            <a:avLst/>
-          </a:prstGeom>
-          <a:noFill/>
-        </p:spPr>
-        <p:txBody>
-          <a:bodyPr wrap="square" rtlCol="0">
-            <a:spAutoFit/>
-          </a:bodyPr>
-          <a:lstStyle/>
-          <a:p>
-            <a:pPr algn="ctr"/>
-            <a:r>
-              <a:rPr lang="en-CA" sz="2200" b="1" dirty="0">
-                <a:solidFill>
-                  <a:schemeClr val="bg1"/>
-                </a:solidFill>
-                <a:cs typeface="Poppins" panose="00000500000000000000" pitchFamily="2" charset="0"/>
-              </a:rPr>
-              <a:t>Business Impacts</a:t>
-            </a:r>
           </a:p>
         </p:txBody>
       </p:sp>
@@ -7377,7 +7384,7 @@
         </p:nvSpPr>
         <p:spPr>
           <a:xfrm>
-            <a:off x="10593163" y="1813082"/>
+            <a:off x="9701694" y="6927674"/>
             <a:ext cx="3719041" cy="2462213"/>
           </a:xfrm>
           <a:prstGeom prst="rect">
@@ -7476,7 +7483,7 @@
         </p:nvSpPr>
         <p:spPr>
           <a:xfrm>
-            <a:off x="14693824" y="1765626"/>
+            <a:off x="13856193" y="6835541"/>
             <a:ext cx="3400806" cy="1702774"/>
           </a:xfrm>
           <a:prstGeom prst="rect">
@@ -7573,7 +7580,7 @@
         </p:nvSpPr>
         <p:spPr>
           <a:xfrm>
-            <a:off x="15060557" y="906659"/>
+            <a:off x="14192430" y="6025553"/>
             <a:ext cx="2800349" cy="588751"/>
           </a:xfrm>
           <a:prstGeom prst="rect">
@@ -7642,8 +7649,8 @@
         </p:blipFill>
         <p:spPr>
           <a:xfrm>
-            <a:off x="9656454" y="5141141"/>
-            <a:ext cx="8100288" cy="5342126"/>
+            <a:off x="9501811" y="698954"/>
+            <a:ext cx="7526803" cy="4963914"/>
           </a:xfrm>
           <a:prstGeom prst="rect">
             <a:avLst/>
@@ -7696,7 +7703,7 @@
       </p:sp>
       <p:sp>
         <p:nvSpPr>
-          <p:cNvPr id="17" name="Rectangle 16">
+          <p:cNvPr id="17" name="Rectangle: Rounded Corners 16">
             <a:extLst>
               <a:ext uri="{FF2B5EF4-FFF2-40B4-BE49-F238E27FC236}">
                 <a16:creationId xmlns:a16="http://schemas.microsoft.com/office/drawing/2014/main" id="{65755EA3-BF99-3EAA-9DF0-57AB91DC0811}"/>
@@ -7711,7 +7718,7 @@
             <a:off x="364385" y="4602877"/>
             <a:ext cx="3981475" cy="2183729"/>
           </a:xfrm>
-          <a:prstGeom prst="rect">
+          <a:prstGeom prst="roundRect">
             <a:avLst/>
           </a:prstGeom>
           <a:solidFill>
@@ -7772,7 +7779,7 @@
       </p:sp>
       <p:sp>
         <p:nvSpPr>
-          <p:cNvPr id="19" name="Rectangle 18">
+          <p:cNvPr id="19" name="Rectangle: Rounded Corners 18">
             <a:extLst>
               <a:ext uri="{FF2B5EF4-FFF2-40B4-BE49-F238E27FC236}">
                 <a16:creationId xmlns:a16="http://schemas.microsoft.com/office/drawing/2014/main" id="{7ED61285-B9F1-F43D-7B2C-2C0370C7AF41}"/>
@@ -7787,7 +7794,7 @@
             <a:off x="4514658" y="4585484"/>
             <a:ext cx="3981475" cy="2183729"/>
           </a:xfrm>
-          <a:prstGeom prst="rect">
+          <a:prstGeom prst="roundRect">
             <a:avLst/>
           </a:prstGeom>
           <a:solidFill>
@@ -7863,7 +7870,7 @@
         <p:spPr>
           <a:xfrm>
             <a:off x="4808993" y="4998028"/>
-            <a:ext cx="3355364" cy="1538883"/>
+            <a:ext cx="3355364" cy="1477328"/>
           </a:xfrm>
           <a:prstGeom prst="rect">
             <a:avLst/>
@@ -7878,7 +7885,7 @@
           <a:p>
             <a:pPr algn="ctr"/>
             <a:r>
-              <a:rPr lang="en-US" sz="1800" b="1" dirty="0">
+              <a:rPr lang="en-US" sz="1600" b="1" dirty="0">
                 <a:solidFill>
                   <a:srgbClr val="000B5D"/>
                 </a:solidFill>
@@ -7886,7 +7893,7 @@
               </a:rPr>
               <a:t>Total parcel volumes increased in 2020 (73.4M) vs. 2019 (52.8M)</a:t>
             </a:r>
-            <a:endParaRPr lang="en-CA" sz="1800" b="1" dirty="0">
+            <a:endParaRPr lang="en-CA" sz="1600" b="1" dirty="0">
               <a:solidFill>
                 <a:srgbClr val="000B5D"/>
               </a:solidFill>
@@ -8017,7 +8024,7 @@
       </p:sp>
       <p:sp>
         <p:nvSpPr>
-          <p:cNvPr id="28" name="Rectangle 27">
+          <p:cNvPr id="28" name="Rectangle: Rounded Corners 27">
             <a:extLst>
               <a:ext uri="{FF2B5EF4-FFF2-40B4-BE49-F238E27FC236}">
                 <a16:creationId xmlns:a16="http://schemas.microsoft.com/office/drawing/2014/main" id="{87EEC701-1932-4124-1B8F-98E9AEC7D86D}"/>
@@ -8032,7 +8039,7 @@
             <a:off x="364386" y="6935735"/>
             <a:ext cx="3981475" cy="2183729"/>
           </a:xfrm>
-          <a:prstGeom prst="rect">
+          <a:prstGeom prst="roundRect">
             <a:avLst/>
           </a:prstGeom>
           <a:solidFill>
@@ -8160,7 +8167,7 @@
       </p:sp>
       <p:sp>
         <p:nvSpPr>
-          <p:cNvPr id="33" name="Rectangle 32">
+          <p:cNvPr id="33" name="Rectangle: Rounded Corners 32">
             <a:extLst>
               <a:ext uri="{FF2B5EF4-FFF2-40B4-BE49-F238E27FC236}">
                 <a16:creationId xmlns:a16="http://schemas.microsoft.com/office/drawing/2014/main" id="{722EDD69-30D9-6F05-6B0D-BC2BA0A3DC90}"/>
@@ -8175,7 +8182,7 @@
             <a:off x="4530815" y="6927674"/>
             <a:ext cx="3981475" cy="2183729"/>
           </a:xfrm>
-          <a:prstGeom prst="rect">
+          <a:prstGeom prst="roundRect">
             <a:avLst/>
           </a:prstGeom>
           <a:solidFill>
@@ -8250,8 +8257,8 @@
         </p:nvSpPr>
         <p:spPr>
           <a:xfrm>
-            <a:off x="4808993" y="7527094"/>
-            <a:ext cx="3585002" cy="984885"/>
+            <a:off x="4875335" y="7253571"/>
+            <a:ext cx="3585002" cy="1261884"/>
           </a:xfrm>
           <a:prstGeom prst="rect">
             <a:avLst/>
@@ -8265,32 +8272,13 @@
           <a:lstStyle/>
           <a:p>
             <a:r>
-              <a:rPr lang="en-US" altLang="en-US" b="1" dirty="0">
+              <a:rPr lang="en-CA" sz="1800" b="1" dirty="0">
                 <a:solidFill>
                   <a:srgbClr val="0A2D7A"/>
                 </a:solidFill>
               </a:rPr>
-              <a:t>G</a:t>
-            </a:r>
-            <a:r>
-              <a:rPr kumimoji="0" lang="en-US" altLang="en-US" sz="1800" b="1" i="0" u="none" strike="noStrike" cap="none" normalizeH="0" baseline="0" dirty="0">
-                <a:ln>
-                  <a:noFill/>
-                </a:ln>
-                <a:solidFill>
-                  <a:srgbClr val="0A2D7A"/>
-                </a:solidFill>
-                <a:effectLst/>
-              </a:rPr>
-              <a:t>rowth Distribution for Enterprise</a:t>
-            </a:r>
-            <a:endParaRPr lang="en-US" sz="1800" b="1" dirty="0">
-              <a:solidFill>
-                <a:srgbClr val="0A2D7A"/>
-              </a:solidFill>
-              <a:ea typeface="ADLaM Display" panose="02010000000000000000" pitchFamily="2" charset="0"/>
-              <a:cs typeface="Poppins" panose="00000500000000000000" pitchFamily="2" charset="0"/>
-            </a:endParaRPr>
+              <a:t>increase in parcel volume at 2020 peak season</a:t>
+            </a:r>
           </a:p>
           <a:p>
             <a:pPr algn="ctr"/>
@@ -8306,7 +8294,7 @@
                 <a:latin typeface="Poppins" panose="00000500000000000000" pitchFamily="2" charset="0"/>
                 <a:cs typeface="Poppins" panose="00000500000000000000" pitchFamily="2" charset="0"/>
               </a:rPr>
-              <a:t>50%</a:t>
+              <a:t>27.23%</a:t>
             </a:r>
             <a:endParaRPr lang="en-CA" sz="4000" dirty="0">
               <a:latin typeface="Poppins" panose="00000500000000000000" pitchFamily="2" charset="0"/>
@@ -8317,7 +8305,7 @@
       </p:sp>
       <p:sp>
         <p:nvSpPr>
-          <p:cNvPr id="43" name="Rectangle 42">
+          <p:cNvPr id="43" name="Rectangle: Rounded Corners 42">
             <a:extLst>
               <a:ext uri="{FF2B5EF4-FFF2-40B4-BE49-F238E27FC236}">
                 <a16:creationId xmlns:a16="http://schemas.microsoft.com/office/drawing/2014/main" id="{0A1B1D04-A188-787F-ECEB-42F30A8BABD3}"/>
@@ -8329,10 +8317,10 @@
         </p:nvSpPr>
         <p:spPr>
           <a:xfrm>
-            <a:off x="457200" y="2916319"/>
-            <a:ext cx="8055090" cy="1546798"/>
+            <a:off x="351176" y="2628900"/>
+            <a:ext cx="8161114" cy="1834217"/>
           </a:xfrm>
-          <a:prstGeom prst="rect">
+          <a:prstGeom prst="roundRect">
             <a:avLst/>
           </a:prstGeom>
           <a:solidFill>
@@ -8405,7 +8393,7 @@
         </p:nvSpPr>
         <p:spPr>
           <a:xfrm>
-            <a:off x="623049" y="3253888"/>
+            <a:off x="571393" y="3038176"/>
             <a:ext cx="7783217" cy="1015663"/>
           </a:xfrm>
           <a:prstGeom prst="rect">
@@ -8425,12 +8413,92 @@
                   <a:srgbClr val="000B5D"/>
                 </a:solidFill>
               </a:rPr>
-              <a:t>To provide a comprehensive analysis of the COVID-19 pandemic's impact on ABC Company's customer base, highlighting revenue trends, customer dynamics, and sector performance to guide strategic decision-making.</a:t>
+              <a:t>A comprehensive analysis of the COVID-19 pandemic's impact on ABC Company's customer base, highlighting revenue trends, customer dynamics, and sector performance to guide strategic decision-making</a:t>
             </a:r>
             <a:endParaRPr lang="en-CA" sz="2000" dirty="0">
               <a:solidFill>
                 <a:srgbClr val="000B5D"/>
               </a:solidFill>
+            </a:endParaRPr>
+          </a:p>
+        </p:txBody>
+      </p:sp>
+      <p:sp>
+        <p:nvSpPr>
+          <p:cNvPr id="49" name="TextBox 48">
+            <a:extLst>
+              <a:ext uri="{FF2B5EF4-FFF2-40B4-BE49-F238E27FC236}">
+                <a16:creationId xmlns:a16="http://schemas.microsoft.com/office/drawing/2014/main" id="{75D7E455-A801-D26E-F78B-B6DC64FC7739}"/>
+              </a:ext>
+            </a:extLst>
+          </p:cNvPr>
+          <p:cNvSpPr txBox="1"/>
+          <p:nvPr/>
+        </p:nvSpPr>
+        <p:spPr>
+          <a:xfrm>
+            <a:off x="9701694" y="6223894"/>
+            <a:ext cx="2981371" cy="430887"/>
+          </a:xfrm>
+          <a:prstGeom prst="rect">
+            <a:avLst/>
+          </a:prstGeom>
+          <a:noFill/>
+        </p:spPr>
+        <p:txBody>
+          <a:bodyPr wrap="square" rtlCol="0">
+            <a:spAutoFit/>
+          </a:bodyPr>
+          <a:lstStyle/>
+          <a:p>
+            <a:pPr algn="ctr"/>
+            <a:r>
+              <a:rPr lang="en-CA" sz="2200" b="1" dirty="0">
+                <a:solidFill>
+                  <a:schemeClr val="bg1"/>
+                </a:solidFill>
+                <a:cs typeface="Poppins" panose="00000500000000000000" pitchFamily="2" charset="0"/>
+              </a:rPr>
+              <a:t>Business Impacts</a:t>
+            </a:r>
+          </a:p>
+        </p:txBody>
+      </p:sp>
+      <p:sp>
+        <p:nvSpPr>
+          <p:cNvPr id="50" name="AutoShape 20">
+            <a:extLst>
+              <a:ext uri="{FF2B5EF4-FFF2-40B4-BE49-F238E27FC236}">
+                <a16:creationId xmlns:a16="http://schemas.microsoft.com/office/drawing/2014/main" id="{271B72A7-0CA3-4393-C81E-DB16857C3BE0}"/>
+              </a:ext>
+            </a:extLst>
+          </p:cNvPr>
+          <p:cNvSpPr/>
+          <p:nvPr/>
+        </p:nvSpPr>
+        <p:spPr>
+          <a:xfrm flipV="1">
+            <a:off x="13483539" y="6377882"/>
+            <a:ext cx="0" cy="2971801"/>
+          </a:xfrm>
+          <a:prstGeom prst="line">
+            <a:avLst/>
+          </a:prstGeom>
+          <a:ln w="38100" cap="flat">
+            <a:solidFill>
+              <a:srgbClr val="FFFFFF"/>
+            </a:solidFill>
+            <a:prstDash val="solid"/>
+            <a:headEnd type="none" w="sm" len="sm"/>
+            <a:tailEnd type="none" w="sm" len="sm"/>
+          </a:ln>
+        </p:spPr>
+        <p:txBody>
+          <a:bodyPr/>
+          <a:lstStyle/>
+          <a:p>
+            <a:endParaRPr lang="en-CA" dirty="0">
+              <a:cs typeface="Poppins" panose="00000500000000000000" pitchFamily="2" charset="0"/>
             </a:endParaRPr>
           </a:p>
         </p:txBody>
@@ -12620,7 +12688,19 @@
                 </a:solidFill>
                 <a:effectLst/>
               </a:rPr>
-              <a:t>52.5% declining</a:t>
+              <a:t>52.5% </a:t>
+            </a:r>
+            <a:r>
+              <a:rPr kumimoji="0" lang="en-US" altLang="en-US" sz="2200" i="0" u="none" strike="noStrike" cap="none" normalizeH="0" baseline="0" dirty="0">
+                <a:ln>
+                  <a:noFill/>
+                </a:ln>
+                <a:solidFill>
+                  <a:schemeClr val="tx1"/>
+                </a:solidFill>
+                <a:effectLst/>
+              </a:rPr>
+              <a:t>declining</a:t>
             </a:r>
             <a:r>
               <a:rPr kumimoji="0" lang="en-US" altLang="en-US" sz="2200" b="0" i="0" u="none" strike="noStrike" cap="none" normalizeH="0" baseline="0" dirty="0">
